--- a/Diagrams.pptx
+++ b/Diagrams.pptx
@@ -5,11 +5,10 @@
     <p:sldMasterId id="2147483648" r:id="rId1"/>
   </p:sldMasterIdLst>
   <p:notesMasterIdLst>
-    <p:notesMasterId r:id="rId4"/>
+    <p:notesMasterId r:id="rId3"/>
   </p:notesMasterIdLst>
   <p:sldIdLst>
     <p:sldId id="256" r:id="rId2"/>
-    <p:sldId id="257" r:id="rId3"/>
   </p:sldIdLst>
   <p:sldSz cx="9144000" cy="6858000" type="screen4x3"/>
   <p:notesSz cx="6858000" cy="9144000"/>
@@ -5276,36 +5275,6 @@
     <p:extLst>
       <p:ext uri="{BB962C8B-B14F-4D97-AF65-F5344CB8AC3E}">
         <p14:creationId xmlns:p14="http://schemas.microsoft.com/office/powerpoint/2010/main" val="2867282822"/>
-      </p:ext>
-    </p:extLst>
-  </p:cSld>
-  <p:clrMapOvr>
-    <a:masterClrMapping/>
-  </p:clrMapOvr>
-</p:sld>
-</file>
-
-<file path=ppt/slides/slide2.xml><?xml version="1.0" encoding="utf-8"?>
-<p:sld xmlns:a="http://schemas.openxmlformats.org/drawingml/2006/main" xmlns:r="http://schemas.openxmlformats.org/officeDocument/2006/relationships" xmlns:p="http://schemas.openxmlformats.org/presentationml/2006/main">
-  <p:cSld>
-    <p:spTree>
-      <p:nvGrpSpPr>
-        <p:cNvPr id="1" name=""/>
-        <p:cNvGrpSpPr/>
-        <p:nvPr/>
-      </p:nvGrpSpPr>
-      <p:grpSpPr>
-        <a:xfrm>
-          <a:off x="0" y="0"/>
-          <a:ext cx="0" cy="0"/>
-          <a:chOff x="0" y="0"/>
-          <a:chExt cx="0" cy="0"/>
-        </a:xfrm>
-      </p:grpSpPr>
-    </p:spTree>
-    <p:extLst>
-      <p:ext uri="{BB962C8B-B14F-4D97-AF65-F5344CB8AC3E}">
-        <p14:creationId xmlns:p14="http://schemas.microsoft.com/office/powerpoint/2010/main" val="3105037184"/>
       </p:ext>
     </p:extLst>
   </p:cSld>

--- a/Diagrams.pptx
+++ b/Diagrams.pptx
@@ -3893,82 +3893,36 @@
           </p:txBody>
         </p:sp>
       </p:grpSp>
-      <p:sp>
-        <p:nvSpPr>
-          <p:cNvPr id="34" name="Arc 33"/>
-          <p:cNvSpPr/>
-          <p:nvPr/>
-        </p:nvSpPr>
-        <p:spPr>
-          <a:xfrm>
-            <a:off x="5793149" y="2135549"/>
-            <a:ext cx="683851" cy="683851"/>
-          </a:xfrm>
-          <a:prstGeom prst="arc">
-            <a:avLst>
-              <a:gd name="adj1" fmla="val 14268561"/>
-              <a:gd name="adj2" fmla="val 1970188"/>
-            </a:avLst>
-          </a:prstGeom>
-          <a:ln w="25400">
-            <a:solidFill>
-              <a:schemeClr val="tx1">
-                <a:lumMod val="65000"/>
-                <a:lumOff val="35000"/>
-              </a:schemeClr>
-            </a:solidFill>
-          </a:ln>
-        </p:spPr>
-        <p:style>
-          <a:lnRef idx="1">
-            <a:schemeClr val="accent1"/>
-          </a:lnRef>
-          <a:fillRef idx="0">
-            <a:schemeClr val="accent1"/>
-          </a:fillRef>
-          <a:effectRef idx="0">
-            <a:schemeClr val="accent1"/>
-          </a:effectRef>
-          <a:fontRef idx="minor">
-            <a:schemeClr val="tx1"/>
-          </a:fontRef>
-        </p:style>
-        <p:txBody>
-          <a:bodyPr rtlCol="0" anchor="ctr"/>
-          <a:lstStyle/>
-          <a:p>
-            <a:pPr algn="ctr"/>
-            <a:endParaRPr lang="en-US"/>
-          </a:p>
-        </p:txBody>
-      </p:sp>
       <p:grpSp>
         <p:nvGrpSpPr>
-          <p:cNvPr id="122" name="Group 121"/>
+          <p:cNvPr id="2" name="Group 1"/>
           <p:cNvGrpSpPr/>
           <p:nvPr/>
         </p:nvGrpSpPr>
         <p:grpSpPr>
           <a:xfrm>
-            <a:off x="5947410" y="1761744"/>
-            <a:ext cx="1261872" cy="905256"/>
-            <a:chOff x="5947410" y="1761744"/>
-            <a:chExt cx="1261872" cy="905256"/>
+            <a:off x="5793149" y="1761744"/>
+            <a:ext cx="1416133" cy="1057656"/>
+            <a:chOff x="5793149" y="1761744"/>
+            <a:chExt cx="1416133" cy="1057656"/>
           </a:xfrm>
         </p:grpSpPr>
-        <p:cxnSp>
-          <p:nvCxnSpPr>
-            <p:cNvPr id="39" name="Straight Connector 38"/>
-            <p:cNvCxnSpPr/>
+        <p:sp>
+          <p:nvSpPr>
+            <p:cNvPr id="34" name="Arc 33"/>
+            <p:cNvSpPr/>
             <p:nvPr/>
-          </p:nvCxnSpPr>
+          </p:nvSpPr>
           <p:spPr>
-            <a:xfrm flipH="1">
-              <a:off x="6265795" y="1855470"/>
-              <a:ext cx="824615" cy="0"/>
+            <a:xfrm>
+              <a:off x="5793149" y="2135549"/>
+              <a:ext cx="683851" cy="683851"/>
             </a:xfrm>
-            <a:prstGeom prst="line">
-              <a:avLst/>
+            <a:prstGeom prst="arc">
+              <a:avLst>
+                <a:gd name="adj1" fmla="val 14268561"/>
+                <a:gd name="adj2" fmla="val 1970188"/>
+              </a:avLst>
             </a:prstGeom>
             <a:ln w="25400">
               <a:solidFill>
@@ -3993,191 +3947,6 @@
               <a:schemeClr val="tx1"/>
             </a:fontRef>
           </p:style>
-        </p:cxnSp>
-        <p:cxnSp>
-          <p:nvCxnSpPr>
-            <p:cNvPr id="41" name="Straight Connector 40"/>
-            <p:cNvCxnSpPr/>
-            <p:nvPr/>
-          </p:nvCxnSpPr>
-          <p:spPr>
-            <a:xfrm flipV="1">
-              <a:off x="6277225" y="1855470"/>
-              <a:ext cx="0" cy="304800"/>
-            </a:xfrm>
-            <a:prstGeom prst="line">
-              <a:avLst/>
-            </a:prstGeom>
-            <a:ln w="25400">
-              <a:solidFill>
-                <a:schemeClr val="tx1">
-                  <a:lumMod val="65000"/>
-                  <a:lumOff val="35000"/>
-                </a:schemeClr>
-              </a:solidFill>
-            </a:ln>
-          </p:spPr>
-          <p:style>
-            <a:lnRef idx="1">
-              <a:schemeClr val="accent1"/>
-            </a:lnRef>
-            <a:fillRef idx="0">
-              <a:schemeClr val="accent1"/>
-            </a:fillRef>
-            <a:effectRef idx="0">
-              <a:schemeClr val="accent1"/>
-            </a:effectRef>
-            <a:fontRef idx="minor">
-              <a:schemeClr val="tx1"/>
-            </a:fontRef>
-          </p:style>
-        </p:cxnSp>
-        <p:cxnSp>
-          <p:nvCxnSpPr>
-            <p:cNvPr id="46" name="Straight Connector 45"/>
-            <p:cNvCxnSpPr/>
-            <p:nvPr/>
-          </p:nvCxnSpPr>
-          <p:spPr>
-            <a:xfrm flipV="1">
-              <a:off x="7077325" y="1866959"/>
-              <a:ext cx="0" cy="495241"/>
-            </a:xfrm>
-            <a:prstGeom prst="line">
-              <a:avLst/>
-            </a:prstGeom>
-            <a:ln w="25400">
-              <a:solidFill>
-                <a:schemeClr val="tx1">
-                  <a:lumMod val="65000"/>
-                  <a:lumOff val="35000"/>
-                </a:schemeClr>
-              </a:solidFill>
-            </a:ln>
-          </p:spPr>
-          <p:style>
-            <a:lnRef idx="1">
-              <a:schemeClr val="accent1"/>
-            </a:lnRef>
-            <a:fillRef idx="0">
-              <a:schemeClr val="accent1"/>
-            </a:fillRef>
-            <a:effectRef idx="0">
-              <a:schemeClr val="accent1"/>
-            </a:effectRef>
-            <a:fontRef idx="minor">
-              <a:schemeClr val="tx1"/>
-            </a:fontRef>
-          </p:style>
-        </p:cxnSp>
-        <p:cxnSp>
-          <p:nvCxnSpPr>
-            <p:cNvPr id="49" name="Straight Connector 48"/>
-            <p:cNvCxnSpPr/>
-            <p:nvPr/>
-          </p:nvCxnSpPr>
-          <p:spPr>
-            <a:xfrm flipH="1">
-              <a:off x="6457950" y="2353100"/>
-              <a:ext cx="630936" cy="0"/>
-            </a:xfrm>
-            <a:prstGeom prst="line">
-              <a:avLst/>
-            </a:prstGeom>
-            <a:ln w="25400">
-              <a:solidFill>
-                <a:schemeClr val="tx1">
-                  <a:lumMod val="65000"/>
-                  <a:lumOff val="35000"/>
-                </a:schemeClr>
-              </a:solidFill>
-            </a:ln>
-          </p:spPr>
-          <p:style>
-            <a:lnRef idx="1">
-              <a:schemeClr val="accent1"/>
-            </a:lnRef>
-            <a:fillRef idx="0">
-              <a:schemeClr val="accent1"/>
-            </a:fillRef>
-            <a:effectRef idx="0">
-              <a:schemeClr val="accent1"/>
-            </a:effectRef>
-            <a:fontRef idx="minor">
-              <a:schemeClr val="tx1"/>
-            </a:fontRef>
-          </p:style>
-        </p:cxnSp>
-        <p:cxnSp>
-          <p:nvCxnSpPr>
-            <p:cNvPr id="52" name="Straight Connector 51"/>
-            <p:cNvCxnSpPr/>
-            <p:nvPr/>
-          </p:nvCxnSpPr>
-          <p:spPr>
-            <a:xfrm flipV="1">
-              <a:off x="6934200" y="2353100"/>
-              <a:ext cx="142297" cy="313900"/>
-            </a:xfrm>
-            <a:prstGeom prst="line">
-              <a:avLst/>
-            </a:prstGeom>
-            <a:ln w="25400">
-              <a:solidFill>
-                <a:schemeClr val="tx1">
-                  <a:lumMod val="65000"/>
-                  <a:lumOff val="35000"/>
-                </a:schemeClr>
-              </a:solidFill>
-            </a:ln>
-          </p:spPr>
-          <p:style>
-            <a:lnRef idx="1">
-              <a:schemeClr val="accent1"/>
-            </a:lnRef>
-            <a:fillRef idx="0">
-              <a:schemeClr val="accent1"/>
-            </a:fillRef>
-            <a:effectRef idx="0">
-              <a:schemeClr val="accent1"/>
-            </a:effectRef>
-            <a:fontRef idx="minor">
-              <a:schemeClr val="tx1"/>
-            </a:fontRef>
-          </p:style>
-        </p:cxnSp>
-        <p:sp>
-          <p:nvSpPr>
-            <p:cNvPr id="33" name="Rectangle 32"/>
-            <p:cNvSpPr/>
-            <p:nvPr/>
-          </p:nvSpPr>
-          <p:spPr>
-            <a:xfrm>
-              <a:off x="5947410" y="1761744"/>
-              <a:ext cx="1261872" cy="896112"/>
-            </a:xfrm>
-            <a:prstGeom prst="rect">
-              <a:avLst/>
-            </a:prstGeom>
-            <a:noFill/>
-          </p:spPr>
-          <p:style>
-            <a:lnRef idx="2">
-              <a:schemeClr val="accent1">
-                <a:shade val="50000"/>
-              </a:schemeClr>
-            </a:lnRef>
-            <a:fillRef idx="1">
-              <a:schemeClr val="accent1"/>
-            </a:fillRef>
-            <a:effectRef idx="0">
-              <a:schemeClr val="accent1"/>
-            </a:effectRef>
-            <a:fontRef idx="minor">
-              <a:schemeClr val="lt1"/>
-            </a:fontRef>
-          </p:style>
           <p:txBody>
             <a:bodyPr rtlCol="0" anchor="ctr"/>
             <a:lstStyle/>
@@ -4187,93 +3956,339 @@
             </a:p>
           </p:txBody>
         </p:sp>
-        <p:sp>
-          <p:nvSpPr>
-            <p:cNvPr id="54" name="TextBox 53"/>
-            <p:cNvSpPr txBox="1"/>
+        <p:grpSp>
+          <p:nvGrpSpPr>
+            <p:cNvPr id="122" name="Group 121"/>
+            <p:cNvGrpSpPr/>
             <p:nvPr/>
-          </p:nvSpPr>
-          <p:spPr>
+          </p:nvGrpSpPr>
+          <p:grpSpPr>
             <a:xfrm>
-              <a:off x="6381750" y="1866900"/>
-              <a:ext cx="609600" cy="461665"/>
+              <a:off x="5947410" y="1761744"/>
+              <a:ext cx="1261872" cy="905256"/>
+              <a:chOff x="5947410" y="1761744"/>
+              <a:chExt cx="1261872" cy="905256"/>
             </a:xfrm>
-            <a:prstGeom prst="rect">
-              <a:avLst/>
-            </a:prstGeom>
-            <a:noFill/>
-          </p:spPr>
-          <p:txBody>
-            <a:bodyPr wrap="square" rtlCol="0">
-              <a:spAutoFit/>
-            </a:bodyPr>
-            <a:lstStyle/>
-            <a:p>
-              <a:pPr algn="ctr"/>
-              <a:r>
-                <a:rPr lang="en-US" sz="800" dirty="0" smtClean="0">
+          </p:grpSpPr>
+          <p:cxnSp>
+            <p:nvCxnSpPr>
+              <p:cNvPr id="39" name="Straight Connector 38"/>
+              <p:cNvCxnSpPr/>
+              <p:nvPr/>
+            </p:nvCxnSpPr>
+            <p:spPr>
+              <a:xfrm flipH="1">
+                <a:off x="6265795" y="1855470"/>
+                <a:ext cx="824615" cy="0"/>
+              </a:xfrm>
+              <a:prstGeom prst="line">
+                <a:avLst/>
+              </a:prstGeom>
+              <a:ln w="25400">
+                <a:solidFill>
+                  <a:schemeClr val="tx1">
+                    <a:lumMod val="65000"/>
+                    <a:lumOff val="35000"/>
+                  </a:schemeClr>
+                </a:solidFill>
+              </a:ln>
+            </p:spPr>
+            <p:style>
+              <a:lnRef idx="1">
+                <a:schemeClr val="accent1"/>
+              </a:lnRef>
+              <a:fillRef idx="0">
+                <a:schemeClr val="accent1"/>
+              </a:fillRef>
+              <a:effectRef idx="0">
+                <a:schemeClr val="accent1"/>
+              </a:effectRef>
+              <a:fontRef idx="minor">
+                <a:schemeClr val="tx1"/>
+              </a:fontRef>
+            </p:style>
+          </p:cxnSp>
+          <p:cxnSp>
+            <p:nvCxnSpPr>
+              <p:cNvPr id="41" name="Straight Connector 40"/>
+              <p:cNvCxnSpPr/>
+              <p:nvPr/>
+            </p:nvCxnSpPr>
+            <p:spPr>
+              <a:xfrm flipV="1">
+                <a:off x="6277225" y="1855470"/>
+                <a:ext cx="0" cy="304800"/>
+              </a:xfrm>
+              <a:prstGeom prst="line">
+                <a:avLst/>
+              </a:prstGeom>
+              <a:ln w="25400">
+                <a:solidFill>
+                  <a:schemeClr val="tx1">
+                    <a:lumMod val="65000"/>
+                    <a:lumOff val="35000"/>
+                  </a:schemeClr>
+                </a:solidFill>
+              </a:ln>
+            </p:spPr>
+            <p:style>
+              <a:lnRef idx="1">
+                <a:schemeClr val="accent1"/>
+              </a:lnRef>
+              <a:fillRef idx="0">
+                <a:schemeClr val="accent1"/>
+              </a:fillRef>
+              <a:effectRef idx="0">
+                <a:schemeClr val="accent1"/>
+              </a:effectRef>
+              <a:fontRef idx="minor">
+                <a:schemeClr val="tx1"/>
+              </a:fontRef>
+            </p:style>
+          </p:cxnSp>
+          <p:cxnSp>
+            <p:nvCxnSpPr>
+              <p:cNvPr id="46" name="Straight Connector 45"/>
+              <p:cNvCxnSpPr/>
+              <p:nvPr/>
+            </p:nvCxnSpPr>
+            <p:spPr>
+              <a:xfrm flipV="1">
+                <a:off x="7077325" y="1866959"/>
+                <a:ext cx="0" cy="495241"/>
+              </a:xfrm>
+              <a:prstGeom prst="line">
+                <a:avLst/>
+              </a:prstGeom>
+              <a:ln w="25400">
+                <a:solidFill>
+                  <a:schemeClr val="tx1">
+                    <a:lumMod val="65000"/>
+                    <a:lumOff val="35000"/>
+                  </a:schemeClr>
+                </a:solidFill>
+              </a:ln>
+            </p:spPr>
+            <p:style>
+              <a:lnRef idx="1">
+                <a:schemeClr val="accent1"/>
+              </a:lnRef>
+              <a:fillRef idx="0">
+                <a:schemeClr val="accent1"/>
+              </a:fillRef>
+              <a:effectRef idx="0">
+                <a:schemeClr val="accent1"/>
+              </a:effectRef>
+              <a:fontRef idx="minor">
+                <a:schemeClr val="tx1"/>
+              </a:fontRef>
+            </p:style>
+          </p:cxnSp>
+          <p:cxnSp>
+            <p:nvCxnSpPr>
+              <p:cNvPr id="49" name="Straight Connector 48"/>
+              <p:cNvCxnSpPr/>
+              <p:nvPr/>
+            </p:nvCxnSpPr>
+            <p:spPr>
+              <a:xfrm flipH="1">
+                <a:off x="6457950" y="2353100"/>
+                <a:ext cx="630936" cy="0"/>
+              </a:xfrm>
+              <a:prstGeom prst="line">
+                <a:avLst/>
+              </a:prstGeom>
+              <a:ln w="25400">
+                <a:solidFill>
+                  <a:schemeClr val="tx1">
+                    <a:lumMod val="65000"/>
+                    <a:lumOff val="35000"/>
+                  </a:schemeClr>
+                </a:solidFill>
+              </a:ln>
+            </p:spPr>
+            <p:style>
+              <a:lnRef idx="1">
+                <a:schemeClr val="accent1"/>
+              </a:lnRef>
+              <a:fillRef idx="0">
+                <a:schemeClr val="accent1"/>
+              </a:fillRef>
+              <a:effectRef idx="0">
+                <a:schemeClr val="accent1"/>
+              </a:effectRef>
+              <a:fontRef idx="minor">
+                <a:schemeClr val="tx1"/>
+              </a:fontRef>
+            </p:style>
+          </p:cxnSp>
+          <p:cxnSp>
+            <p:nvCxnSpPr>
+              <p:cNvPr id="52" name="Straight Connector 51"/>
+              <p:cNvCxnSpPr/>
+              <p:nvPr/>
+            </p:nvCxnSpPr>
+            <p:spPr>
+              <a:xfrm flipV="1">
+                <a:off x="6934200" y="2353100"/>
+                <a:ext cx="142297" cy="313900"/>
+              </a:xfrm>
+              <a:prstGeom prst="line">
+                <a:avLst/>
+              </a:prstGeom>
+              <a:ln w="25400">
+                <a:solidFill>
+                  <a:schemeClr val="tx1">
+                    <a:lumMod val="65000"/>
+                    <a:lumOff val="35000"/>
+                  </a:schemeClr>
+                </a:solidFill>
+              </a:ln>
+            </p:spPr>
+            <p:style>
+              <a:lnRef idx="1">
+                <a:schemeClr val="accent1"/>
+              </a:lnRef>
+              <a:fillRef idx="0">
+                <a:schemeClr val="accent1"/>
+              </a:fillRef>
+              <a:effectRef idx="0">
+                <a:schemeClr val="accent1"/>
+              </a:effectRef>
+              <a:fontRef idx="minor">
+                <a:schemeClr val="tx1"/>
+              </a:fontRef>
+            </p:style>
+          </p:cxnSp>
+          <p:sp>
+            <p:nvSpPr>
+              <p:cNvPr id="33" name="Rectangle 32"/>
+              <p:cNvSpPr/>
+              <p:nvPr/>
+            </p:nvSpPr>
+            <p:spPr>
+              <a:xfrm>
+                <a:off x="5947410" y="1761744"/>
+                <a:ext cx="1261872" cy="896112"/>
+              </a:xfrm>
+              <a:prstGeom prst="rect">
+                <a:avLst/>
+              </a:prstGeom>
+              <a:noFill/>
+            </p:spPr>
+            <p:style>
+              <a:lnRef idx="2">
+                <a:schemeClr val="accent1">
+                  <a:shade val="50000"/>
+                </a:schemeClr>
+              </a:lnRef>
+              <a:fillRef idx="1">
+                <a:schemeClr val="accent1"/>
+              </a:fillRef>
+              <a:effectRef idx="0">
+                <a:schemeClr val="accent1"/>
+              </a:effectRef>
+              <a:fontRef idx="minor">
+                <a:schemeClr val="lt1"/>
+              </a:fontRef>
+            </p:style>
+            <p:txBody>
+              <a:bodyPr rtlCol="0" anchor="ctr"/>
+              <a:lstStyle/>
+              <a:p>
+                <a:pPr algn="ctr"/>
+                <a:endParaRPr lang="en-US"/>
+              </a:p>
+            </p:txBody>
+          </p:sp>
+          <p:sp>
+            <p:nvSpPr>
+              <p:cNvPr id="54" name="TextBox 53"/>
+              <p:cNvSpPr txBox="1"/>
+              <p:nvPr/>
+            </p:nvSpPr>
+            <p:spPr>
+              <a:xfrm>
+                <a:off x="6381750" y="1866900"/>
+                <a:ext cx="609600" cy="461665"/>
+              </a:xfrm>
+              <a:prstGeom prst="rect">
+                <a:avLst/>
+              </a:prstGeom>
+              <a:noFill/>
+            </p:spPr>
+            <p:txBody>
+              <a:bodyPr wrap="square" rtlCol="0">
+                <a:spAutoFit/>
+              </a:bodyPr>
+              <a:lstStyle/>
+              <a:p>
+                <a:pPr algn="ctr"/>
+                <a:r>
+                  <a:rPr lang="en-US" sz="800" dirty="0" smtClean="0">
+                    <a:solidFill>
+                      <a:schemeClr val="tx1">
+                        <a:lumMod val="65000"/>
+                        <a:lumOff val="35000"/>
+                      </a:schemeClr>
+                    </a:solidFill>
+                  </a:rPr>
+                  <a:t>Patient 1</a:t>
+                </a:r>
+                <a:br>
+                  <a:rPr lang="en-US" sz="800" dirty="0" smtClean="0">
+                    <a:solidFill>
+                      <a:schemeClr val="tx1">
+                        <a:lumMod val="65000"/>
+                        <a:lumOff val="35000"/>
+                      </a:schemeClr>
+                    </a:solidFill>
+                  </a:rPr>
+                </a:br>
+                <a:r>
+                  <a:rPr lang="en-US" sz="800" dirty="0" smtClean="0">
+                    <a:solidFill>
+                      <a:schemeClr val="tx1">
+                        <a:lumMod val="65000"/>
+                        <a:lumOff val="35000"/>
+                      </a:schemeClr>
+                    </a:solidFill>
+                  </a:rPr>
+                  <a:t>Patient 2</a:t>
+                </a:r>
+                <a:br>
+                  <a:rPr lang="en-US" sz="800" dirty="0" smtClean="0">
+                    <a:solidFill>
+                      <a:schemeClr val="tx1">
+                        <a:lumMod val="65000"/>
+                        <a:lumOff val="35000"/>
+                      </a:schemeClr>
+                    </a:solidFill>
+                  </a:rPr>
+                </a:br>
+                <a:r>
+                  <a:rPr lang="en-US" sz="800" dirty="0" smtClean="0">
+                    <a:solidFill>
+                      <a:schemeClr val="tx1">
+                        <a:lumMod val="65000"/>
+                        <a:lumOff val="35000"/>
+                      </a:schemeClr>
+                    </a:solidFill>
+                  </a:rPr>
+                  <a:t>Patient 3</a:t>
+                </a:r>
+                <a:endParaRPr lang="en-US" sz="800" dirty="0">
                   <a:solidFill>
                     <a:schemeClr val="tx1">
                       <a:lumMod val="65000"/>
                       <a:lumOff val="35000"/>
                     </a:schemeClr>
                   </a:solidFill>
-                </a:rPr>
-                <a:t>Patient 1</a:t>
-              </a:r>
-              <a:br>
-                <a:rPr lang="en-US" sz="800" dirty="0" smtClean="0">
-                  <a:solidFill>
-                    <a:schemeClr val="tx1">
-                      <a:lumMod val="65000"/>
-                      <a:lumOff val="35000"/>
-                    </a:schemeClr>
-                  </a:solidFill>
-                </a:rPr>
-              </a:br>
-              <a:r>
-                <a:rPr lang="en-US" sz="800" dirty="0" smtClean="0">
-                  <a:solidFill>
-                    <a:schemeClr val="tx1">
-                      <a:lumMod val="65000"/>
-                      <a:lumOff val="35000"/>
-                    </a:schemeClr>
-                  </a:solidFill>
-                </a:rPr>
-                <a:t>Patient 2</a:t>
-              </a:r>
-              <a:br>
-                <a:rPr lang="en-US" sz="800" dirty="0" smtClean="0">
-                  <a:solidFill>
-                    <a:schemeClr val="tx1">
-                      <a:lumMod val="65000"/>
-                      <a:lumOff val="35000"/>
-                    </a:schemeClr>
-                  </a:solidFill>
-                </a:rPr>
-              </a:br>
-              <a:r>
-                <a:rPr lang="en-US" sz="800" dirty="0" smtClean="0">
-                  <a:solidFill>
-                    <a:schemeClr val="tx1">
-                      <a:lumMod val="65000"/>
-                      <a:lumOff val="35000"/>
-                    </a:schemeClr>
-                  </a:solidFill>
-                </a:rPr>
-                <a:t>Patient 3</a:t>
-              </a:r>
-              <a:endParaRPr lang="en-US" sz="800" dirty="0">
-                <a:solidFill>
-                  <a:schemeClr val="tx1">
-                    <a:lumMod val="65000"/>
-                    <a:lumOff val="35000"/>
-                  </a:schemeClr>
-                </a:solidFill>
-              </a:endParaRPr>
-            </a:p>
-          </p:txBody>
-        </p:sp>
+                </a:endParaRPr>
+              </a:p>
+            </p:txBody>
+          </p:sp>
+        </p:grpSp>
       </p:grpSp>
       <p:sp>
         <p:nvSpPr>
